--- a/week_9/9.2 Project Assignment.pptx
+++ b/week_9/9.2 Project Assignment.pptx
@@ -290,7 +290,7 @@
           <a:p>
             <a:fld id="{150BCFB0-9270-494A-8B2A-55790DE50F53}" type="datetimeFigureOut">
               <a:rPr lang="en-US" smtClean="0"/>
-              <a:t>9/20/15</a:t>
+              <a:t>9/28/15</a:t>
             </a:fld>
             <a:endParaRPr lang="en-US"/>
           </a:p>
@@ -460,7 +460,7 @@
           <a:p>
             <a:fld id="{150BCFB0-9270-494A-8B2A-55790DE50F53}" type="datetimeFigureOut">
               <a:rPr lang="en-US" smtClean="0"/>
-              <a:t>9/20/15</a:t>
+              <a:t>9/28/15</a:t>
             </a:fld>
             <a:endParaRPr lang="en-US"/>
           </a:p>
@@ -640,7 +640,7 @@
           <a:p>
             <a:fld id="{150BCFB0-9270-494A-8B2A-55790DE50F53}" type="datetimeFigureOut">
               <a:rPr lang="en-US" smtClean="0"/>
-              <a:t>9/20/15</a:t>
+              <a:t>9/28/15</a:t>
             </a:fld>
             <a:endParaRPr lang="en-US"/>
           </a:p>
@@ -810,7 +810,7 @@
           <a:p>
             <a:fld id="{150BCFB0-9270-494A-8B2A-55790DE50F53}" type="datetimeFigureOut">
               <a:rPr lang="en-US" smtClean="0"/>
-              <a:t>9/20/15</a:t>
+              <a:t>9/28/15</a:t>
             </a:fld>
             <a:endParaRPr lang="en-US"/>
           </a:p>
@@ -1056,7 +1056,7 @@
           <a:p>
             <a:fld id="{150BCFB0-9270-494A-8B2A-55790DE50F53}" type="datetimeFigureOut">
               <a:rPr lang="en-US" smtClean="0"/>
-              <a:t>9/20/15</a:t>
+              <a:t>9/28/15</a:t>
             </a:fld>
             <a:endParaRPr lang="en-US"/>
           </a:p>
@@ -1344,7 +1344,7 @@
           <a:p>
             <a:fld id="{150BCFB0-9270-494A-8B2A-55790DE50F53}" type="datetimeFigureOut">
               <a:rPr lang="en-US" smtClean="0"/>
-              <a:t>9/20/15</a:t>
+              <a:t>9/28/15</a:t>
             </a:fld>
             <a:endParaRPr lang="en-US"/>
           </a:p>
@@ -1766,7 +1766,7 @@
           <a:p>
             <a:fld id="{150BCFB0-9270-494A-8B2A-55790DE50F53}" type="datetimeFigureOut">
               <a:rPr lang="en-US" smtClean="0"/>
-              <a:t>9/20/15</a:t>
+              <a:t>9/28/15</a:t>
             </a:fld>
             <a:endParaRPr lang="en-US"/>
           </a:p>
@@ -1884,7 +1884,7 @@
           <a:p>
             <a:fld id="{150BCFB0-9270-494A-8B2A-55790DE50F53}" type="datetimeFigureOut">
               <a:rPr lang="en-US" smtClean="0"/>
-              <a:t>9/20/15</a:t>
+              <a:t>9/28/15</a:t>
             </a:fld>
             <a:endParaRPr lang="en-US"/>
           </a:p>
@@ -1979,7 +1979,7 @@
           <a:p>
             <a:fld id="{150BCFB0-9270-494A-8B2A-55790DE50F53}" type="datetimeFigureOut">
               <a:rPr lang="en-US" smtClean="0"/>
-              <a:t>9/20/15</a:t>
+              <a:t>9/28/15</a:t>
             </a:fld>
             <a:endParaRPr lang="en-US"/>
           </a:p>
@@ -2256,7 +2256,7 @@
           <a:p>
             <a:fld id="{150BCFB0-9270-494A-8B2A-55790DE50F53}" type="datetimeFigureOut">
               <a:rPr lang="en-US" smtClean="0"/>
-              <a:t>9/20/15</a:t>
+              <a:t>9/28/15</a:t>
             </a:fld>
             <a:endParaRPr lang="en-US"/>
           </a:p>
@@ -2509,7 +2509,7 @@
           <a:p>
             <a:fld id="{150BCFB0-9270-494A-8B2A-55790DE50F53}" type="datetimeFigureOut">
               <a:rPr lang="en-US" smtClean="0"/>
-              <a:t>9/20/15</a:t>
+              <a:t>9/28/15</a:t>
             </a:fld>
             <a:endParaRPr lang="en-US"/>
           </a:p>
@@ -2722,7 +2722,7 @@
           <a:p>
             <a:fld id="{150BCFB0-9270-494A-8B2A-55790DE50F53}" type="datetimeFigureOut">
               <a:rPr lang="en-US" smtClean="0"/>
-              <a:t>9/20/15</a:t>
+              <a:t>9/28/15</a:t>
             </a:fld>
             <a:endParaRPr lang="en-US"/>
           </a:p>
@@ -3135,10 +3135,6 @@
           <a:bodyPr/>
           <a:lstStyle/>
           <a:p>
-            <a:r>
-              <a:rPr lang="en-US" dirty="0" err="1" smtClean="0"/>
-              <a:t>Creat</a:t>
-            </a:r>
             <a:endParaRPr lang="en-US" dirty="0"/>
           </a:p>
         </p:txBody>
@@ -3153,6 +3149,13 @@
   <p:clrMapOvr>
     <a:masterClrMapping/>
   </p:clrMapOvr>
+  <p:timing>
+    <p:tnLst>
+      <p:par>
+        <p:cTn xmlns:p14="http://schemas.microsoft.com/office/powerpoint/2010/main" id="1" dur="indefinite" restart="never" nodeType="tmRoot"/>
+      </p:par>
+    </p:tnLst>
+  </p:timing>
 </p:sld>
 </file>
 
@@ -3253,6 +3256,13 @@
   <p:clrMapOvr>
     <a:masterClrMapping/>
   </p:clrMapOvr>
+  <p:timing>
+    <p:tnLst>
+      <p:par>
+        <p:cTn xmlns:p14="http://schemas.microsoft.com/office/powerpoint/2010/main" id="1" dur="indefinite" restart="never" nodeType="tmRoot"/>
+      </p:par>
+    </p:tnLst>
+  </p:timing>
 </p:sld>
 </file>
 
@@ -3315,13 +3325,36 @@
           <a:p>
             <a:r>
               <a:rPr lang="en-US" dirty="0" smtClean="0"/>
-              <a:t>Use python to score the highest each turn that you can</a:t>
-            </a:r>
-          </a:p>
-          <a:p>
+              <a:t>Use python to score the highest each turn that you </a:t>
+            </a:r>
             <a:r>
               <a:rPr lang="en-US" dirty="0" smtClean="0"/>
-              <a:t>Accept a list of tiles and return the ranking of all permutations of those values that are valid words</a:t>
+              <a:t>can</a:t>
+            </a:r>
+          </a:p>
+          <a:p>
+            <a:r>
+              <a:rPr lang="en-US" dirty="0" smtClean="0"/>
+              <a:t>Yes, you will learn how to cheat at scrabble!</a:t>
+            </a:r>
+            <a:endParaRPr lang="en-US" dirty="0" smtClean="0"/>
+          </a:p>
+          <a:p>
+            <a:r>
+              <a:rPr lang="en-US" dirty="0" smtClean="0"/>
+              <a:t>Accept a list of tiles and return the ranking of all permutations of </a:t>
+            </a:r>
+            <a:r>
+              <a:rPr lang="en-US" smtClean="0"/>
+              <a:t>those </a:t>
+            </a:r>
+            <a:r>
+              <a:rPr lang="en-US" smtClean="0"/>
+              <a:t>tiles that </a:t>
+            </a:r>
+            <a:r>
+              <a:rPr lang="en-US" dirty="0" smtClean="0"/>
+              <a:t>are valid words</a:t>
             </a:r>
           </a:p>
           <a:p>
@@ -3333,11 +3366,15 @@
           <a:p>
             <a:r>
               <a:rPr lang="en-US" dirty="0" smtClean="0"/>
-              <a:t>See the Assignment for </a:t>
-            </a:r>
-            <a:r>
-              <a:rPr lang="en-US" smtClean="0"/>
-              <a:t>more details</a:t>
+              <a:t>See the </a:t>
+            </a:r>
+            <a:r>
+              <a:rPr lang="en-US" dirty="0" smtClean="0"/>
+              <a:t>assignment </a:t>
+            </a:r>
+            <a:r>
+              <a:rPr lang="en-US" dirty="0" smtClean="0"/>
+              <a:t>for more details</a:t>
             </a:r>
             <a:endParaRPr lang="en-US" dirty="0"/>
           </a:p>
@@ -3353,6 +3390,13 @@
   <p:clrMapOvr>
     <a:masterClrMapping/>
   </p:clrMapOvr>
+  <p:timing>
+    <p:tnLst>
+      <p:par>
+        <p:cTn xmlns:p14="http://schemas.microsoft.com/office/powerpoint/2010/main" id="1" dur="indefinite" restart="never" nodeType="tmRoot"/>
+      </p:par>
+    </p:tnLst>
+  </p:timing>
 </p:sld>
 </file>
 
